--- a/ppts/05-3.1_AVLTreeQuiz12.pptx
+++ b/ppts/05-3.1_AVLTreeQuiz12.pptx
@@ -10,7 +10,7 @@
   <p:sldIdLst>
     <p:sldId id="1097" r:id="rId2"/>
     <p:sldId id="1098" r:id="rId3"/>
-    <p:sldId id="1099" r:id="rId4"/>
+    <p:sldId id="1100" r:id="rId4"/>
   </p:sldIdLst>
   <p:sldSz cx="12192000" cy="6858000"/>
   <p:notesSz cx="6858000" cy="9144000"/>
@@ -213,7 +213,7 @@
           <a:p>
             <a:fld id="{648057B7-EFC7-4AC6-B479-CDD44EB7D654}" type="datetimeFigureOut">
               <a:rPr lang="ko-KR" altLang="en-US" smtClean="0"/>
-              <a:t>2023-05-05</a:t>
+              <a:t>2023-05-15</a:t>
             </a:fld>
             <a:endParaRPr lang="ko-KR" altLang="en-US"/>
           </a:p>
@@ -4965,49 +4965,95 @@
           <a:lstStyle/>
           <a:p>
             <a:r>
-              <a:rPr lang="en-US" altLang="ko-KR" sz="1800" spc="-5" dirty="0"/>
+              <a:rPr lang="en-US" altLang="ko-KR" sz="1800" b="1" smtClean="0"/>
+              <a:t>Insert 9 </a:t>
+            </a:r>
+            <a:r>
+              <a:rPr lang="en-US" altLang="ko-KR" sz="1800" dirty="0"/>
+              <a:t>in the AVL tree shown below and rebalance it. </a:t>
+            </a:r>
+            <a:r>
+              <a:rPr lang="en-US" altLang="ko-KR" sz="1800" dirty="0" smtClean="0"/>
+              <a:t/>
+            </a:r>
+            <a:br>
+              <a:rPr lang="en-US" altLang="ko-KR" sz="1800" dirty="0" smtClean="0"/>
+            </a:br>
+            <a:r>
+              <a:rPr lang="en-US" altLang="ko-KR" sz="1800" dirty="0" smtClean="0"/>
+              <a:t>Hint: If the balance factor of node </a:t>
+            </a:r>
+            <a:r>
+              <a:rPr lang="en-US" altLang="ko-KR" sz="1800" b="1" dirty="0" smtClean="0"/>
+              <a:t>A's child is 0</a:t>
+            </a:r>
+            <a:r>
+              <a:rPr lang="en-US" altLang="ko-KR" sz="1800" dirty="0" smtClean="0"/>
+              <a:t>, then treat the child node like that has the same sign as </a:t>
+            </a:r>
+            <a:r>
+              <a:rPr lang="en-US" altLang="ko-KR" sz="1800" b="1" dirty="0" smtClean="0"/>
+              <a:t>A's </a:t>
+            </a:r>
+            <a:r>
+              <a:rPr lang="en-US" altLang="ko-KR" sz="1800" b="1" smtClean="0"/>
+              <a:t>sign</a:t>
+            </a:r>
+            <a:r>
+              <a:rPr lang="en-US" altLang="ko-KR" sz="1800" smtClean="0"/>
+              <a:t>.</a:t>
+            </a:r>
+            <a:r>
+              <a:rPr lang="en-US" altLang="ko-KR" sz="1800" spc="-5"/>
+              <a:t> </a:t>
+            </a:r>
+            <a:endParaRPr lang="en-US" altLang="ko-KR" sz="1800" spc="-5" smtClean="0"/>
+          </a:p>
+          <a:p>
+            <a:r>
+              <a:rPr lang="en-US" altLang="ko-KR" sz="1800" spc="-5" smtClean="0"/>
               <a:t>Draw</a:t>
             </a:r>
             <a:r>
-              <a:rPr lang="ko-KR" altLang="en-US" sz="1800" spc="-5" dirty="0"/>
+              <a:rPr lang="ko-KR" altLang="en-US" sz="1800" spc="-5" smtClean="0"/>
               <a:t> </a:t>
             </a:r>
             <a:r>
-              <a:rPr lang="en-US" altLang="ko-KR" sz="1800" spc="-5" dirty="0"/>
+              <a:rPr lang="en-US" altLang="ko-KR" sz="1800" spc="-5"/>
               <a:t>AVL trees whenever the tree changes its shape by insertion and deletion. Include</a:t>
             </a:r>
             <a:r>
-              <a:rPr lang="en-US" altLang="ko-KR" sz="1800" dirty="0"/>
+              <a:rPr lang="en-US" altLang="ko-KR" sz="1800"/>
               <a:t> trees before and after its rotation and the type of rotation.</a:t>
             </a:r>
           </a:p>
           <a:p>
             <a:r>
-              <a:rPr lang="en-US" altLang="ko-KR" sz="1800" dirty="0"/>
+              <a:rPr lang="en-US" altLang="ko-KR" sz="1800"/>
               <a:t>Tree</a:t>
             </a:r>
             <a:r>
-              <a:rPr lang="ko-KR" altLang="en-US" sz="1800" dirty="0"/>
+              <a:rPr lang="ko-KR" altLang="en-US" sz="1800"/>
               <a:t>가 모양을 </a:t>
             </a:r>
             <a:r>
-              <a:rPr lang="ko-KR" altLang="en-US" sz="1800" b="1" dirty="0"/>
+              <a:rPr lang="ko-KR" altLang="en-US" sz="1800" b="1"/>
               <a:t>바꿀 때마다 </a:t>
             </a:r>
             <a:r>
-              <a:rPr lang="en-US" altLang="ko-KR" sz="1800" dirty="0"/>
+              <a:rPr lang="en-US" altLang="ko-KR" sz="1800"/>
               <a:t>AVL tree</a:t>
             </a:r>
             <a:r>
-              <a:rPr lang="ko-KR" altLang="en-US" sz="1800" dirty="0"/>
+              <a:rPr lang="ko-KR" altLang="en-US" sz="1800"/>
               <a:t>들을 그리고</a:t>
             </a:r>
             <a:r>
-              <a:rPr lang="en-US" altLang="ko-KR" sz="1800" dirty="0"/>
+              <a:rPr lang="en-US" altLang="ko-KR" sz="1800"/>
               <a:t>, </a:t>
             </a:r>
             <a:r>
-              <a:rPr lang="ko-KR" altLang="en-US" sz="1800" dirty="0">
+              <a:rPr lang="ko-KR" altLang="en-US" sz="1800">
                 <a:solidFill>
                   <a:srgbClr val="C00000"/>
                 </a:solidFill>
@@ -5015,7 +5061,7 @@
               <a:t>각 단계별로 </a:t>
             </a:r>
             <a:r>
-              <a:rPr lang="en-US" altLang="ko-KR" sz="1800" dirty="0">
+              <a:rPr lang="en-US" altLang="ko-KR" sz="1800">
                 <a:solidFill>
                   <a:srgbClr val="C00000"/>
                 </a:solidFill>
@@ -5023,7 +5069,7 @@
               <a:t>LL, RR, LR, RL</a:t>
             </a:r>
             <a:r>
-              <a:rPr lang="ko-KR" altLang="en-US" sz="1800" dirty="0">
+              <a:rPr lang="ko-KR" altLang="en-US" sz="1800">
                 <a:solidFill>
                   <a:srgbClr val="C00000"/>
                 </a:solidFill>
@@ -5031,50 +5077,14 @@
               <a:t>을 표시하여 제출하십시오</a:t>
             </a:r>
             <a:r>
-              <a:rPr lang="en-US" altLang="ko-KR" sz="1800" dirty="0">
+              <a:rPr lang="en-US" altLang="ko-KR" sz="1800">
                 <a:solidFill>
                   <a:srgbClr val="C00000"/>
                 </a:solidFill>
               </a:rPr>
               <a:t>.  </a:t>
             </a:r>
-          </a:p>
-          <a:p>
-            <a:r>
-              <a:rPr lang="en-US" altLang="ko-KR" sz="1800" b="1" dirty="0" smtClean="0"/>
-              <a:t>Delete 20 </a:t>
-            </a:r>
-            <a:r>
-              <a:rPr lang="en-US" altLang="ko-KR" sz="1800" dirty="0"/>
-              <a:t>in the AVL tree shown below and rebalance it. </a:t>
-            </a:r>
-            <a:r>
-              <a:rPr lang="en-US" altLang="ko-KR" sz="1800" dirty="0" smtClean="0"/>
-              <a:t/>
-            </a:r>
-            <a:br>
-              <a:rPr lang="en-US" altLang="ko-KR" sz="1800" dirty="0" smtClean="0"/>
-            </a:br>
-            <a:r>
-              <a:rPr lang="en-US" altLang="ko-KR" sz="1800" dirty="0" smtClean="0"/>
-              <a:t>Hint: If the balance factor of node </a:t>
-            </a:r>
-            <a:r>
-              <a:rPr lang="en-US" altLang="ko-KR" sz="1800" b="1" dirty="0" smtClean="0"/>
-              <a:t>A's child is 0</a:t>
-            </a:r>
-            <a:r>
-              <a:rPr lang="en-US" altLang="ko-KR" sz="1800" dirty="0" smtClean="0"/>
-              <a:t>, then treat the child node like that has the same sign as </a:t>
-            </a:r>
-            <a:r>
-              <a:rPr lang="en-US" altLang="ko-KR" sz="1800" b="1" dirty="0" smtClean="0"/>
-              <a:t>A's sign</a:t>
-            </a:r>
-            <a:r>
-              <a:rPr lang="en-US" altLang="ko-KR" sz="1800" dirty="0" smtClean="0"/>
-              <a:t>.</a:t>
-            </a:r>
+            <a:endParaRPr lang="en-US" altLang="ko-KR" sz="1800" dirty="0" smtClean="0"/>
           </a:p>
           <a:p>
             <a:r>
@@ -5288,10 +5298,10 @@
             <a:p>
               <a:pPr algn="ctr"/>
               <a:r>
-                <a:rPr lang="en-US" dirty="0">
+                <a:rPr lang="en-US" smtClean="0">
                   <a:latin typeface="Century Gothic" panose="020B0502020202020204" pitchFamily="34" charset="0"/>
                 </a:rPr>
-                <a:t>8</a:t>
+                <a:t>35</a:t>
               </a:r>
               <a:endParaRPr dirty="0">
                 <a:latin typeface="Century Gothic" panose="020B0502020202020204" pitchFamily="34" charset="0"/>
@@ -5571,10 +5581,10 @@
           <a:p>
             <a:pPr algn="ctr"/>
             <a:r>
-              <a:rPr lang="en-US" dirty="0">
+              <a:rPr lang="en-US" smtClean="0">
                 <a:latin typeface="Century Gothic" panose="020B0502020202020204" pitchFamily="34" charset="0"/>
               </a:rPr>
-              <a:t>5</a:t>
+              <a:t>15</a:t>
             </a:r>
             <a:endParaRPr dirty="0">
               <a:latin typeface="Century Gothic" panose="020B0502020202020204" pitchFamily="34" charset="0"/>
@@ -5858,10 +5868,10 @@
           <a:p>
             <a:pPr algn="ctr"/>
             <a:r>
-              <a:rPr lang="en-US" dirty="0" smtClean="0">
+              <a:rPr lang="en-US" smtClean="0">
                 <a:latin typeface="Century Gothic" panose="020B0502020202020204" pitchFamily="34" charset="0"/>
               </a:rPr>
-              <a:t>10</a:t>
+              <a:t>55</a:t>
             </a:r>
             <a:endParaRPr dirty="0">
               <a:latin typeface="Century Gothic" panose="020B0502020202020204" pitchFamily="34" charset="0"/>
@@ -6096,10 +6106,10 @@
           <a:p>
             <a:pPr algn="ctr"/>
             <a:r>
-              <a:rPr lang="en-US" dirty="0" smtClean="0">
+              <a:rPr lang="en-US" smtClean="0">
                 <a:latin typeface="Century Gothic" panose="020B0502020202020204" pitchFamily="34" charset="0"/>
               </a:rPr>
-              <a:t>7</a:t>
+              <a:t>20</a:t>
             </a:r>
             <a:endParaRPr dirty="0">
               <a:latin typeface="Century Gothic" panose="020B0502020202020204" pitchFamily="34" charset="0"/>
@@ -6275,9 +6285,7 @@
             </a:pathLst>
           </a:custGeom>
           <a:solidFill>
-            <a:srgbClr val="FF0000">
-              <a:alpha val="50000"/>
-            </a:srgbClr>
+            <a:srgbClr val="FFFF00"/>
           </a:solidFill>
           <a:ln w="9525">
             <a:solidFill>
@@ -6291,10 +6299,10 @@
           <a:p>
             <a:pPr algn="ctr"/>
             <a:r>
-              <a:rPr lang="en-US" dirty="0" smtClean="0">
+              <a:rPr lang="en-US">
                 <a:latin typeface="Century Gothic" panose="020B0502020202020204" pitchFamily="34" charset="0"/>
               </a:rPr>
-              <a:t>20</a:t>
+              <a:t>65</a:t>
             </a:r>
             <a:endParaRPr dirty="0">
               <a:latin typeface="Century Gothic" panose="020B0502020202020204" pitchFamily="34" charset="0"/>
@@ -6355,7 +6363,7 @@
         </p:nvSpPr>
         <p:spPr>
           <a:xfrm>
-            <a:off x="2831336" y="5212632"/>
+            <a:off x="2276101" y="5961269"/>
             <a:ext cx="457200" cy="457200"/>
           </a:xfrm>
           <a:custGeom>
@@ -6470,7 +6478,9 @@
             </a:pathLst>
           </a:custGeom>
           <a:solidFill>
-            <a:srgbClr val="FFFF00"/>
+            <a:srgbClr val="FF0000">
+              <a:alpha val="50000"/>
+            </a:srgbClr>
           </a:solidFill>
           <a:ln w="9525">
             <a:solidFill>
@@ -6484,10 +6494,10 @@
           <a:p>
             <a:pPr algn="ctr"/>
             <a:r>
-              <a:rPr lang="en-US" dirty="0" smtClean="0">
+              <a:rPr lang="en-US" smtClean="0">
                 <a:latin typeface="Century Gothic" panose="020B0502020202020204" pitchFamily="34" charset="0"/>
               </a:rPr>
-              <a:t>6</a:t>
+              <a:t>9</a:t>
             </a:r>
             <a:endParaRPr dirty="0">
               <a:latin typeface="Century Gothic" panose="020B0502020202020204" pitchFamily="34" charset="0"/>
@@ -6503,7 +6513,7 @@
         </p:nvSpPr>
         <p:spPr>
           <a:xfrm>
-            <a:off x="2719653" y="4869161"/>
+            <a:off x="2164418" y="5617798"/>
             <a:ext cx="219008" cy="393096"/>
           </a:xfrm>
           <a:custGeom>
@@ -6677,10 +6687,10 @@
           <a:p>
             <a:pPr algn="ctr"/>
             <a:r>
-              <a:rPr lang="en-US" dirty="0" smtClean="0">
+              <a:rPr lang="en-US" smtClean="0">
                 <a:latin typeface="Century Gothic" panose="020B0502020202020204" pitchFamily="34" charset="0"/>
               </a:rPr>
-              <a:t>4</a:t>
+              <a:t>11</a:t>
             </a:r>
             <a:endParaRPr dirty="0">
               <a:latin typeface="Century Gothic" panose="020B0502020202020204" pitchFamily="34" charset="0"/>
@@ -6868,7 +6878,7 @@
               <a:rPr lang="en-US" dirty="0" smtClean="0">
                 <a:latin typeface="Century Gothic" panose="020B0502020202020204" pitchFamily="34" charset="0"/>
               </a:rPr>
-              <a:t>3</a:t>
+              <a:t>5</a:t>
             </a:r>
             <a:endParaRPr dirty="0">
               <a:latin typeface="Century Gothic" panose="020B0502020202020204" pitchFamily="34" charset="0"/>
@@ -7063,7 +7073,7 @@
     </p:spTree>
     <p:extLst>
       <p:ext uri="{BB962C8B-B14F-4D97-AF65-F5344CB8AC3E}">
-        <p14:creationId xmlns:p14="http://schemas.microsoft.com/office/powerpoint/2010/main" val="2027085539"/>
+        <p14:creationId xmlns:p14="http://schemas.microsoft.com/office/powerpoint/2010/main" val="3195693907"/>
       </p:ext>
     </p:extLst>
   </p:cSld>
